--- a/doc/Presentation.pptx
+++ b/doc/Presentation.pptx
@@ -5,7 +5,7 @@
     <p:sldMasterId id="2147483669" r:id="rId4"/>
   </p:sldMasterIdLst>
   <p:notesMasterIdLst>
-    <p:notesMasterId r:id="rId12"/>
+    <p:notesMasterId r:id="rId14"/>
   </p:notesMasterIdLst>
   <p:sldIdLst>
     <p:sldId id="256" r:id="rId5"/>
@@ -13,8 +13,10 @@
     <p:sldId id="261" r:id="rId7"/>
     <p:sldId id="262" r:id="rId8"/>
     <p:sldId id="263" r:id="rId9"/>
-    <p:sldId id="264" r:id="rId10"/>
-    <p:sldId id="265" r:id="rId11"/>
+    <p:sldId id="267" r:id="rId10"/>
+    <p:sldId id="264" r:id="rId11"/>
+    <p:sldId id="265" r:id="rId12"/>
+    <p:sldId id="266" r:id="rId13"/>
   </p:sldIdLst>
   <p:sldSz cx="12207875" cy="6858000"/>
   <p:notesSz cx="6797675" cy="9872663"/>
@@ -718,16 +720,9 @@
           </a:p>
           <a:p>
             <a:r>
-              <a:rPr lang="de-CH" dirty="0" smtClean="0"/>
-              <a:t>Features: a planet to discover, story elements, collectables,</a:t>
-            </a:r>
-            <a:r>
-              <a:rPr lang="de-CH" baseline="0" dirty="0" smtClean="0"/>
-              <a:t> obstacles</a:t>
-            </a:r>
-            <a:endParaRPr lang="en-GB" dirty="0" smtClean="0"/>
-          </a:p>
-          <a:p>
+              <a:rPr lang="en-GB" dirty="0" smtClean="0"/>
+              <a:t>an unusual and exciting or daring experience</a:t>
+            </a:r>
             <a:endParaRPr lang="en-GB" dirty="0"/>
           </a:p>
         </p:txBody>
@@ -6922,6 +6917,23 @@
           <a:lstStyle/>
           <a:p>
             <a:pPr eaLnBrk="1" hangingPunct="1"/>
+            <a:r>
+              <a:rPr lang="de-DE" dirty="0" smtClean="0">
+                <a:latin typeface="Lucida Sans" pitchFamily="34" charset="0"/>
+                <a:cs typeface="Lucida Sans Unicode" pitchFamily="34" charset="0"/>
+              </a:rPr>
+              <a:t>Project 1 – Adventure Game</a:t>
+            </a:r>
+          </a:p>
+          <a:p>
+            <a:pPr eaLnBrk="1" hangingPunct="1"/>
+            <a:r>
+              <a:rPr lang="de-DE" dirty="0" smtClean="0">
+                <a:latin typeface="Lucida Sans" pitchFamily="34" charset="0"/>
+                <a:cs typeface="Lucida Sans Unicode" pitchFamily="34" charset="0"/>
+              </a:rPr>
+              <a:t>The adventure of making an adventure game</a:t>
+            </a:r>
             <a:endParaRPr lang="de-DE" dirty="0">
               <a:latin typeface="Lucida Sans" pitchFamily="34" charset="0"/>
               <a:cs typeface="Lucida Sans Unicode" pitchFamily="34" charset="0"/>
@@ -7140,6 +7152,21 @@
               <a:rPr lang="de-CH" dirty="0" smtClean="0">
                 <a:latin typeface="Lucida Sans" pitchFamily="34" charset="0"/>
               </a:rPr>
+              <a:t>Features</a:t>
+            </a:r>
+            <a:endParaRPr lang="de-CH" dirty="0" smtClean="0">
+              <a:latin typeface="Lucida Sans" pitchFamily="34" charset="0"/>
+            </a:endParaRPr>
+          </a:p>
+          <a:p>
+            <a:pPr eaLnBrk="1" hangingPunct="1">
+              <a:buFont typeface="Lucida Grande" charset="0"/>
+              <a:buChar char="▶"/>
+            </a:pPr>
+            <a:r>
+              <a:rPr lang="de-CH" dirty="0" smtClean="0">
+                <a:latin typeface="Lucida Sans" pitchFamily="34" charset="0"/>
+              </a:rPr>
               <a:t>Demo</a:t>
             </a:r>
           </a:p>
@@ -7340,6 +7367,13 @@
   <p:clrMapOvr>
     <a:masterClrMapping/>
   </p:clrMapOvr>
+  <p:timing>
+    <p:tnLst>
+      <p:par>
+        <p:cTn id="1" dur="indefinite" restart="never" nodeType="tmRoot"/>
+      </p:par>
+    </p:tnLst>
+  </p:timing>
 </p:sld>
 </file>
 
@@ -7463,6 +7497,13 @@
   <p:clrMapOvr>
     <a:masterClrMapping/>
   </p:clrMapOvr>
+  <p:timing>
+    <p:tnLst>
+      <p:par>
+        <p:cTn id="1" dur="indefinite" restart="never" nodeType="tmRoot"/>
+      </p:par>
+    </p:tnLst>
+  </p:timing>
 </p:sld>
 </file>
 
@@ -7608,6 +7649,81 @@
   <p:clrMapOvr>
     <a:masterClrMapping/>
   </p:clrMapOvr>
+  <p:timing>
+    <p:tnLst>
+      <p:par>
+        <p:cTn id="1" dur="indefinite" restart="never" nodeType="tmRoot">
+          <p:childTnLst>
+            <p:seq concurrent="1" nextAc="seek">
+              <p:cTn id="2" dur="indefinite" nodeType="mainSeq">
+                <p:childTnLst>
+                  <p:par>
+                    <p:cTn id="3" fill="hold">
+                      <p:stCondLst>
+                        <p:cond delay="indefinite"/>
+                      </p:stCondLst>
+                      <p:childTnLst>
+                        <p:par>
+                          <p:cTn id="4" fill="hold">
+                            <p:stCondLst>
+                              <p:cond delay="0"/>
+                            </p:stCondLst>
+                            <p:childTnLst>
+                              <p:par>
+                                <p:cTn id="5" presetID="1" presetClass="entr" presetSubtype="0" fill="hold" nodeType="clickEffect">
+                                  <p:stCondLst>
+                                    <p:cond delay="0"/>
+                                  </p:stCondLst>
+                                  <p:childTnLst>
+                                    <p:set>
+                                      <p:cBhvr>
+                                        <p:cTn id="6" dur="1" fill="hold">
+                                          <p:stCondLst>
+                                            <p:cond delay="0"/>
+                                          </p:stCondLst>
+                                        </p:cTn>
+                                        <p:tgtEl>
+                                          <p:spTgt spid="4"/>
+                                        </p:tgtEl>
+                                        <p:attrNameLst>
+                                          <p:attrName>style.visibility</p:attrName>
+                                        </p:attrNameLst>
+                                      </p:cBhvr>
+                                      <p:to>
+                                        <p:strVal val="visible"/>
+                                      </p:to>
+                                    </p:set>
+                                  </p:childTnLst>
+                                </p:cTn>
+                              </p:par>
+                            </p:childTnLst>
+                          </p:cTn>
+                        </p:par>
+                      </p:childTnLst>
+                    </p:cTn>
+                  </p:par>
+                </p:childTnLst>
+              </p:cTn>
+              <p:prevCondLst>
+                <p:cond evt="onPrev" delay="0">
+                  <p:tgtEl>
+                    <p:sldTgt/>
+                  </p:tgtEl>
+                </p:cond>
+              </p:prevCondLst>
+              <p:nextCondLst>
+                <p:cond evt="onNext" delay="0">
+                  <p:tgtEl>
+                    <p:sldTgt/>
+                  </p:tgtEl>
+                </p:cond>
+              </p:nextCondLst>
+            </p:seq>
+          </p:childTnLst>
+        </p:cTn>
+      </p:par>
+    </p:tnLst>
+  </p:timing>
 </p:sld>
 </file>
 
@@ -7645,8 +7761,39 @@
           <a:p>
             <a:r>
               <a:rPr lang="de-CH" dirty="0" smtClean="0"/>
-              <a:t>Spoiler alert</a:t>
-            </a:r>
+              <a:t>Story elements</a:t>
+            </a:r>
+          </a:p>
+          <a:p>
+            <a:r>
+              <a:rPr lang="de-CH" dirty="0" smtClean="0"/>
+              <a:t>‘Round’ world</a:t>
+            </a:r>
+            <a:endParaRPr lang="de-CH" dirty="0"/>
+          </a:p>
+          <a:p>
+            <a:r>
+              <a:rPr lang="de-CH" dirty="0" smtClean="0"/>
+              <a:t>Collisions</a:t>
+            </a:r>
+            <a:endParaRPr lang="de-CH" dirty="0"/>
+          </a:p>
+          <a:p>
+            <a:r>
+              <a:rPr lang="de-CH" dirty="0"/>
+              <a:t>Collectables</a:t>
+            </a:r>
+          </a:p>
+          <a:p>
+            <a:r>
+              <a:rPr lang="de-CH" dirty="0" smtClean="0"/>
+              <a:t>FSM AI (enemies)</a:t>
+            </a:r>
+          </a:p>
+          <a:p>
+            <a:endParaRPr lang="de-CH" dirty="0" smtClean="0"/>
+          </a:p>
+          <a:p>
             <a:endParaRPr lang="en-GB" dirty="0"/>
           </a:p>
         </p:txBody>
@@ -7668,7 +7815,7 @@
           <a:p>
             <a:r>
               <a:rPr lang="de-CH" dirty="0" smtClean="0"/>
-              <a:t>Demo</a:t>
+              <a:t>Features</a:t>
             </a:r>
             <a:endParaRPr lang="en-GB" dirty="0"/>
           </a:p>
@@ -7677,13 +7824,20 @@
     </p:spTree>
     <p:extLst>
       <p:ext uri="{BB962C8B-B14F-4D97-AF65-F5344CB8AC3E}">
-        <p14:creationId xmlns:p14="http://schemas.microsoft.com/office/powerpoint/2010/main" val="1465465594"/>
+        <p14:creationId xmlns:p14="http://schemas.microsoft.com/office/powerpoint/2010/main" val="4140810614"/>
       </p:ext>
     </p:extLst>
   </p:cSld>
   <p:clrMapOvr>
     <a:masterClrMapping/>
   </p:clrMapOvr>
+  <p:timing>
+    <p:tnLst>
+      <p:par>
+        <p:cTn id="1" dur="indefinite" restart="never" nodeType="tmRoot"/>
+      </p:par>
+    </p:tnLst>
+  </p:timing>
 </p:sld>
 </file>
 
@@ -7720,6 +7874,89 @@
           <a:lstStyle/>
           <a:p>
             <a:r>
+              <a:rPr lang="de-CH" dirty="0" smtClean="0"/>
+              <a:t>Spoiler alert</a:t>
+            </a:r>
+            <a:endParaRPr lang="en-GB" dirty="0"/>
+          </a:p>
+        </p:txBody>
+      </p:sp>
+      <p:sp>
+        <p:nvSpPr>
+          <p:cNvPr id="3" name="Title 2"/>
+          <p:cNvSpPr>
+            <a:spLocks noGrp="1"/>
+          </p:cNvSpPr>
+          <p:nvPr>
+            <p:ph type="ctrTitle"/>
+          </p:nvPr>
+        </p:nvSpPr>
+        <p:spPr/>
+        <p:txBody>
+          <a:bodyPr/>
+          <a:lstStyle/>
+          <a:p>
+            <a:r>
+              <a:rPr lang="de-CH" dirty="0" smtClean="0"/>
+              <a:t>Demo</a:t>
+            </a:r>
+            <a:endParaRPr lang="en-GB" dirty="0"/>
+          </a:p>
+        </p:txBody>
+      </p:sp>
+    </p:spTree>
+    <p:extLst>
+      <p:ext uri="{BB962C8B-B14F-4D97-AF65-F5344CB8AC3E}">
+        <p14:creationId xmlns:p14="http://schemas.microsoft.com/office/powerpoint/2010/main" val="1465465594"/>
+      </p:ext>
+    </p:extLst>
+  </p:cSld>
+  <p:clrMapOvr>
+    <a:masterClrMapping/>
+  </p:clrMapOvr>
+  <p:timing>
+    <p:tnLst>
+      <p:par>
+        <p:cTn id="1" dur="indefinite" restart="never" nodeType="tmRoot"/>
+      </p:par>
+    </p:tnLst>
+  </p:timing>
+</p:sld>
+</file>
+
+<file path=ppt/slides/slide8.xml><?xml version="1.0" encoding="utf-8"?>
+<p:sld xmlns:a="http://schemas.openxmlformats.org/drawingml/2006/main" xmlns:r="http://schemas.openxmlformats.org/officeDocument/2006/relationships" xmlns:p="http://schemas.openxmlformats.org/presentationml/2006/main">
+  <p:cSld>
+    <p:spTree>
+      <p:nvGrpSpPr>
+        <p:cNvPr id="1" name=""/>
+        <p:cNvGrpSpPr/>
+        <p:nvPr/>
+      </p:nvGrpSpPr>
+      <p:grpSpPr>
+        <a:xfrm>
+          <a:off x="0" y="0"/>
+          <a:ext cx="0" cy="0"/>
+          <a:chOff x="0" y="0"/>
+          <a:chExt cx="0" cy="0"/>
+        </a:xfrm>
+      </p:grpSpPr>
+      <p:sp>
+        <p:nvSpPr>
+          <p:cNvPr id="2" name="Content Placeholder 1"/>
+          <p:cNvSpPr>
+            <a:spLocks noGrp="1"/>
+          </p:cNvSpPr>
+          <p:nvPr>
+            <p:ph sz="half" idx="1"/>
+          </p:nvPr>
+        </p:nvSpPr>
+        <p:spPr/>
+        <p:txBody>
+          <a:bodyPr/>
+          <a:lstStyle/>
+          <a:p>
+            <a:r>
               <a:rPr lang="de-CH" dirty="0" smtClean="0">
                 <a:latin typeface="Lucida Sans" panose="020B0602030504020204" pitchFamily="34" charset="0"/>
                 <a:cs typeface="Courier New" panose="02070309020205020404" pitchFamily="49" charset="0"/>
@@ -7747,16 +7984,12 @@
           </a:p>
           <a:p>
             <a:r>
-              <a:rPr lang="de-CH" smtClean="0">
+              <a:rPr lang="de-CH" dirty="0" smtClean="0">
                 <a:latin typeface="Lucida Sans" panose="020B0602030504020204" pitchFamily="34" charset="0"/>
                 <a:cs typeface="Courier New" panose="02070309020205020404" pitchFamily="49" charset="0"/>
               </a:rPr>
               <a:t>A lot of new things learned</a:t>
             </a:r>
-            <a:endParaRPr lang="de-CH" dirty="0" smtClean="0">
-              <a:latin typeface="Lucida Sans" panose="020B0602030504020204" pitchFamily="34" charset="0"/>
-              <a:cs typeface="Courier New" panose="02070309020205020404" pitchFamily="49" charset="0"/>
-            </a:endParaRPr>
           </a:p>
           <a:p>
             <a:r>
@@ -7910,6 +8143,241 @@
   <p:clrMapOvr>
     <a:masterClrMapping/>
   </p:clrMapOvr>
+  <p:timing>
+    <p:tnLst>
+      <p:par>
+        <p:cTn id="1" dur="indefinite" restart="never" nodeType="tmRoot">
+          <p:childTnLst>
+            <p:seq concurrent="1" nextAc="seek">
+              <p:cTn id="2" dur="indefinite" nodeType="mainSeq">
+                <p:childTnLst>
+                  <p:par>
+                    <p:cTn id="3" fill="hold">
+                      <p:stCondLst>
+                        <p:cond delay="indefinite"/>
+                      </p:stCondLst>
+                      <p:childTnLst>
+                        <p:par>
+                          <p:cTn id="4" fill="hold">
+                            <p:stCondLst>
+                              <p:cond delay="0"/>
+                            </p:stCondLst>
+                            <p:childTnLst>
+                              <p:par>
+                                <p:cTn id="5" presetID="1" presetClass="entr" presetSubtype="0" fill="hold" nodeType="clickEffect">
+                                  <p:stCondLst>
+                                    <p:cond delay="0"/>
+                                  </p:stCondLst>
+                                  <p:childTnLst>
+                                    <p:set>
+                                      <p:cBhvr>
+                                        <p:cTn id="6" dur="1" fill="hold">
+                                          <p:stCondLst>
+                                            <p:cond delay="0"/>
+                                          </p:stCondLst>
+                                        </p:cTn>
+                                        <p:tgtEl>
+                                          <p:spTgt spid="2">
+                                            <p:txEl>
+                                              <p:pRg st="8" end="8"/>
+                                            </p:txEl>
+                                          </p:spTgt>
+                                        </p:tgtEl>
+                                        <p:attrNameLst>
+                                          <p:attrName>style.visibility</p:attrName>
+                                        </p:attrNameLst>
+                                      </p:cBhvr>
+                                      <p:to>
+                                        <p:strVal val="visible"/>
+                                      </p:to>
+                                    </p:set>
+                                  </p:childTnLst>
+                                </p:cTn>
+                              </p:par>
+                              <p:par>
+                                <p:cTn id="7" presetID="1" presetClass="entr" presetSubtype="0" fill="hold" nodeType="withEffect">
+                                  <p:stCondLst>
+                                    <p:cond delay="0"/>
+                                  </p:stCondLst>
+                                  <p:childTnLst>
+                                    <p:set>
+                                      <p:cBhvr>
+                                        <p:cTn id="8" dur="1" fill="hold">
+                                          <p:stCondLst>
+                                            <p:cond delay="0"/>
+                                          </p:stCondLst>
+                                        </p:cTn>
+                                        <p:tgtEl>
+                                          <p:spTgt spid="2">
+                                            <p:txEl>
+                                              <p:pRg st="9" end="9"/>
+                                            </p:txEl>
+                                          </p:spTgt>
+                                        </p:tgtEl>
+                                        <p:attrNameLst>
+                                          <p:attrName>style.visibility</p:attrName>
+                                        </p:attrNameLst>
+                                      </p:cBhvr>
+                                      <p:to>
+                                        <p:strVal val="visible"/>
+                                      </p:to>
+                                    </p:set>
+                                  </p:childTnLst>
+                                </p:cTn>
+                              </p:par>
+                              <p:par>
+                                <p:cTn id="9" presetID="1" presetClass="entr" presetSubtype="0" fill="hold" nodeType="withEffect">
+                                  <p:stCondLst>
+                                    <p:cond delay="0"/>
+                                  </p:stCondLst>
+                                  <p:childTnLst>
+                                    <p:set>
+                                      <p:cBhvr>
+                                        <p:cTn id="10" dur="1" fill="hold">
+                                          <p:stCondLst>
+                                            <p:cond delay="0"/>
+                                          </p:stCondLst>
+                                        </p:cTn>
+                                        <p:tgtEl>
+                                          <p:spTgt spid="2">
+                                            <p:txEl>
+                                              <p:pRg st="10" end="10"/>
+                                            </p:txEl>
+                                          </p:spTgt>
+                                        </p:tgtEl>
+                                        <p:attrNameLst>
+                                          <p:attrName>style.visibility</p:attrName>
+                                        </p:attrNameLst>
+                                      </p:cBhvr>
+                                      <p:to>
+                                        <p:strVal val="visible"/>
+                                      </p:to>
+                                    </p:set>
+                                  </p:childTnLst>
+                                </p:cTn>
+                              </p:par>
+                            </p:childTnLst>
+                          </p:cTn>
+                        </p:par>
+                      </p:childTnLst>
+                    </p:cTn>
+                  </p:par>
+                </p:childTnLst>
+              </p:cTn>
+              <p:prevCondLst>
+                <p:cond evt="onPrev" delay="0">
+                  <p:tgtEl>
+                    <p:sldTgt/>
+                  </p:tgtEl>
+                </p:cond>
+              </p:prevCondLst>
+              <p:nextCondLst>
+                <p:cond evt="onNext" delay="0">
+                  <p:tgtEl>
+                    <p:sldTgt/>
+                  </p:tgtEl>
+                </p:cond>
+              </p:nextCondLst>
+            </p:seq>
+          </p:childTnLst>
+        </p:cTn>
+      </p:par>
+    </p:tnLst>
+  </p:timing>
+</p:sld>
+</file>
+
+<file path=ppt/slides/slide9.xml><?xml version="1.0" encoding="utf-8"?>
+<p:sld xmlns:a="http://schemas.openxmlformats.org/drawingml/2006/main" xmlns:r="http://schemas.openxmlformats.org/officeDocument/2006/relationships" xmlns:p="http://schemas.openxmlformats.org/presentationml/2006/main">
+  <p:cSld>
+    <p:spTree>
+      <p:nvGrpSpPr>
+        <p:cNvPr id="1" name=""/>
+        <p:cNvGrpSpPr/>
+        <p:nvPr/>
+      </p:nvGrpSpPr>
+      <p:grpSpPr>
+        <a:xfrm>
+          <a:off x="0" y="0"/>
+          <a:ext cx="0" cy="0"/>
+          <a:chOff x="0" y="0"/>
+          <a:chExt cx="0" cy="0"/>
+        </a:xfrm>
+      </p:grpSpPr>
+      <p:sp>
+        <p:nvSpPr>
+          <p:cNvPr id="2" name="Content Placeholder 1"/>
+          <p:cNvSpPr>
+            <a:spLocks noGrp="1"/>
+          </p:cNvSpPr>
+          <p:nvPr>
+            <p:ph sz="half" idx="1"/>
+          </p:nvPr>
+        </p:nvSpPr>
+        <p:spPr/>
+        <p:txBody>
+          <a:bodyPr/>
+          <a:lstStyle/>
+          <a:p>
+            <a:r>
+              <a:rPr lang="de-CH" dirty="0" smtClean="0"/>
+              <a:t>Any language welcome</a:t>
+            </a:r>
+          </a:p>
+          <a:p>
+            <a:pPr lvl="1"/>
+            <a:r>
+              <a:rPr lang="de-CH" dirty="0"/>
+              <a:t>(</a:t>
+            </a:r>
+            <a:r>
+              <a:rPr lang="de-CH" dirty="0" smtClean="0"/>
+              <a:t>any = english, french, german, C#)</a:t>
+            </a:r>
+            <a:endParaRPr lang="en-GB" dirty="0"/>
+          </a:p>
+        </p:txBody>
+      </p:sp>
+      <p:sp>
+        <p:nvSpPr>
+          <p:cNvPr id="3" name="Title 2"/>
+          <p:cNvSpPr>
+            <a:spLocks noGrp="1"/>
+          </p:cNvSpPr>
+          <p:nvPr>
+            <p:ph type="ctrTitle"/>
+          </p:nvPr>
+        </p:nvSpPr>
+        <p:spPr/>
+        <p:txBody>
+          <a:bodyPr/>
+          <a:lstStyle/>
+          <a:p>
+            <a:r>
+              <a:rPr lang="de-CH" dirty="0" smtClean="0"/>
+              <a:t>Questions?</a:t>
+            </a:r>
+            <a:endParaRPr lang="en-GB" dirty="0"/>
+          </a:p>
+        </p:txBody>
+      </p:sp>
+    </p:spTree>
+    <p:extLst>
+      <p:ext uri="{BB962C8B-B14F-4D97-AF65-F5344CB8AC3E}">
+        <p14:creationId xmlns:p14="http://schemas.microsoft.com/office/powerpoint/2010/main" val="547155940"/>
+      </p:ext>
+    </p:extLst>
+  </p:cSld>
+  <p:clrMapOvr>
+    <a:masterClrMapping/>
+  </p:clrMapOvr>
+  <p:timing>
+    <p:tnLst>
+      <p:par>
+        <p:cTn id="1" dur="indefinite" restart="never" nodeType="tmRoot"/>
+      </p:par>
+    </p:tnLst>
+  </p:timing>
 </p:sld>
 </file>
 

--- a/doc/Presentation.pptx
+++ b/doc/Presentation.pptx
@@ -259,7 +259,7 @@
               <a:pPr>
                 <a:defRPr/>
               </a:pPr>
-              <a:t>04.06.2018</a:t>
+              <a:t>05.06.2018</a:t>
             </a:fld>
             <a:endParaRPr lang="de-CH"/>
           </a:p>
@@ -1400,7 +1400,7 @@
               <a:pPr>
                 <a:defRPr/>
               </a:pPr>
-              <a:t>04.06.2018</a:t>
+              <a:t>05.06.2018</a:t>
             </a:fld>
             <a:r>
               <a:rPr lang="de-DE" sz="1000"/>
@@ -2838,7 +2838,7 @@
               <a:pPr>
                 <a:defRPr/>
               </a:pPr>
-              <a:t>04.06.2018</a:t>
+              <a:t>05.06.2018</a:t>
             </a:fld>
             <a:r>
               <a:rPr lang="de-DE" sz="1000"/>
@@ -6932,7 +6932,7 @@
                 <a:latin typeface="Lucida Sans" pitchFamily="34" charset="0"/>
                 <a:cs typeface="Lucida Sans Unicode" pitchFamily="34" charset="0"/>
               </a:rPr>
-              <a:t>The adventure of making an adventure game</a:t>
+              <a:t>Flückiger Quentin, Graf Benjamin</a:t>
             </a:r>
             <a:endParaRPr lang="de-DE" dirty="0">
               <a:latin typeface="Lucida Sans" pitchFamily="34" charset="0"/>
@@ -7001,9 +7001,6 @@
               </a:rPr>
               <a:t>BTI7301-18</a:t>
             </a:r>
-            <a:endParaRPr lang="de-DE" dirty="0">
-              <a:latin typeface="Lucida Sans" pitchFamily="34" charset="0"/>
-            </a:endParaRPr>
           </a:p>
         </p:txBody>
       </p:sp>
@@ -7154,9 +7151,6 @@
               </a:rPr>
               <a:t>Features</a:t>
             </a:r>
-            <a:endParaRPr lang="de-CH" dirty="0" smtClean="0">
-              <a:latin typeface="Lucida Sans" pitchFamily="34" charset="0"/>
-            </a:endParaRPr>
           </a:p>
           <a:p>
             <a:pPr eaLnBrk="1" hangingPunct="1">
@@ -7181,9 +7175,6 @@
               </a:rPr>
               <a:t>Conclusion</a:t>
             </a:r>
-            <a:endParaRPr lang="de-CH" dirty="0" smtClean="0">
-              <a:latin typeface="Lucida Sans" pitchFamily="34" charset="0"/>
-            </a:endParaRPr>
           </a:p>
         </p:txBody>
       </p:sp>
@@ -7233,30 +7224,12 @@
           <a:p>
             <a:pPr eaLnBrk="1" hangingPunct="1"/>
             <a:r>
-              <a:rPr lang="de-CH" dirty="0" smtClean="0">
+              <a:rPr lang="en-GB" dirty="0" smtClean="0">
                 <a:latin typeface="Lucida Sans" pitchFamily="34" charset="0"/>
               </a:rPr>
-              <a:t>Table </a:t>
-            </a:r>
-            <a:r>
-              <a:rPr lang="de-CH" dirty="0" err="1" smtClean="0">
-                <a:latin typeface="Lucida Sans" pitchFamily="34" charset="0"/>
-              </a:rPr>
-              <a:t>of</a:t>
-            </a:r>
-            <a:r>
-              <a:rPr lang="de-CH" dirty="0" smtClean="0">
-                <a:latin typeface="Lucida Sans" pitchFamily="34" charset="0"/>
-              </a:rPr>
-              <a:t> </a:t>
-            </a:r>
-            <a:r>
-              <a:rPr lang="de-CH" dirty="0" err="1" smtClean="0">
-                <a:latin typeface="Lucida Sans" pitchFamily="34" charset="0"/>
-              </a:rPr>
-              <a:t>contents</a:t>
-            </a:r>
-            <a:endParaRPr lang="de-CH" dirty="0">
+              <a:t>Table of content</a:t>
+            </a:r>
+            <a:endParaRPr lang="en-GB" dirty="0">
               <a:latin typeface="Lucida Sans" pitchFamily="34" charset="0"/>
             </a:endParaRPr>
           </a:p>
@@ -7311,7 +7284,17 @@
           <a:p>
             <a:r>
               <a:rPr lang="de-CH" dirty="0" smtClean="0"/>
-              <a:t>Make an Adventure Game</a:t>
+              <a:t>Eckerle</a:t>
+            </a:r>
+          </a:p>
+          <a:p>
+            <a:r>
+              <a:rPr lang="de-CH" dirty="0" smtClean="0"/>
+              <a:t>Make </a:t>
+            </a:r>
+            <a:r>
+              <a:rPr lang="de-CH" dirty="0" smtClean="0"/>
+              <a:t>an Adventure Game</a:t>
             </a:r>
           </a:p>
           <a:p>
@@ -7780,9 +7763,16 @@
           </a:p>
           <a:p>
             <a:r>
-              <a:rPr lang="de-CH" dirty="0"/>
+              <a:rPr lang="de-CH" dirty="0" smtClean="0"/>
               <a:t>Collectables</a:t>
             </a:r>
+          </a:p>
+          <a:p>
+            <a:r>
+              <a:rPr lang="de-CH" dirty="0" smtClean="0"/>
+              <a:t>Progression saved</a:t>
+            </a:r>
+            <a:endParaRPr lang="de-CH" dirty="0"/>
           </a:p>
           <a:p>
             <a:r>
@@ -8046,28 +8036,34 @@
           <a:p>
             <a:pPr lvl="1"/>
             <a:r>
+              <a:rPr lang="en-GB" dirty="0">
+                <a:latin typeface="Courier New" panose="02070309020205020404" pitchFamily="49" charset="0"/>
+                <a:cs typeface="Courier New" panose="02070309020205020404" pitchFamily="49" charset="0"/>
+                <a:hlinkClick r:id="rId2"/>
+              </a:rPr>
+              <a:t>https://</a:t>
+            </a:r>
+            <a:r>
               <a:rPr lang="en-GB" dirty="0" smtClean="0">
                 <a:latin typeface="Courier New" panose="02070309020205020404" pitchFamily="49" charset="0"/>
                 <a:cs typeface="Courier New" panose="02070309020205020404" pitchFamily="49" charset="0"/>
                 <a:hlinkClick r:id="rId2"/>
               </a:rPr>
-              <a:t>https</a:t>
-            </a:r>
-            <a:r>
-              <a:rPr lang="en-GB" dirty="0">
-                <a:latin typeface="Courier New" panose="02070309020205020404" pitchFamily="49" charset="0"/>
-                <a:cs typeface="Courier New" panose="02070309020205020404" pitchFamily="49" charset="0"/>
-                <a:hlinkClick r:id="rId2"/>
-              </a:rPr>
-              <a:t>://</a:t>
+              <a:t>bit.ly/2sIwins</a:t>
             </a:r>
             <a:r>
               <a:rPr lang="en-GB" dirty="0" smtClean="0">
                 <a:latin typeface="Courier New" panose="02070309020205020404" pitchFamily="49" charset="0"/>
                 <a:cs typeface="Courier New" panose="02070309020205020404" pitchFamily="49" charset="0"/>
-                <a:hlinkClick r:id="rId2"/>
               </a:rPr>
-              <a:t>bit.ly/2LkEamZ</a:t>
+              <a:t> </a:t>
+            </a:r>
+            <a:r>
+              <a:rPr lang="en-GB" dirty="0" smtClean="0">
+                <a:latin typeface="Lucida Sans" panose="020B0602030504020204" pitchFamily="34" charset="0"/>
+                <a:cs typeface="Courier New" panose="02070309020205020404" pitchFamily="49" charset="0"/>
+              </a:rPr>
+              <a:t>(Win + Mac)</a:t>
             </a:r>
             <a:endParaRPr lang="en-GB" dirty="0" smtClean="0">
               <a:latin typeface="Courier New" panose="02070309020205020404" pitchFamily="49" charset="0"/>
@@ -8081,8 +8077,12 @@
                 <a:latin typeface="Lucida Sans" panose="020B0602030504020204" pitchFamily="34" charset="0"/>
                 <a:cs typeface="Courier New" panose="02070309020205020404" pitchFamily="49" charset="0"/>
               </a:rPr>
-              <a:t>Have fun</a:t>
-            </a:r>
+              <a:t>Have fun &amp; Git gud</a:t>
+            </a:r>
+            <a:endParaRPr lang="de-CH" dirty="0" smtClean="0">
+              <a:latin typeface="Lucida Sans" panose="020B0602030504020204" pitchFamily="34" charset="0"/>
+              <a:cs typeface="Courier New" panose="02070309020205020404" pitchFamily="49" charset="0"/>
+            </a:endParaRPr>
           </a:p>
           <a:p>
             <a:endParaRPr lang="en-GB" dirty="0" smtClean="0">
@@ -9008,6 +9008,15 @@
 </file>
 
 <file path=customXml/item2.xml><?xml version="1.0" encoding="utf-8"?>
+<?mso-contentType ?>
+<FormTemplates xmlns="http://schemas.microsoft.com/sharepoint/v3/contenttype/forms">
+  <Display>DocumentLibraryForm</Display>
+  <Edit>DocumentLibraryForm</Edit>
+  <New>DocumentLibraryForm</New>
+</FormTemplates>
+</file>
+
+<file path=customXml/item3.xml><?xml version="1.0" encoding="utf-8"?>
 <ct:contentTypeSchema xmlns:ct="http://schemas.microsoft.com/office/2006/metadata/contentType" xmlns:ma="http://schemas.microsoft.com/office/2006/metadata/properties/metaAttributes" ct:_="" ma:_="" ma:contentTypeName="QMPilot_ContentType" ma:contentTypeID="0x0101009127C3B567804923A8661E062BBD8EF500AB8983C84EF542A7976DC8547A5CDC52001BD440F45714504284DA526949208683" ma:contentTypeVersion="2" ma:contentTypeDescription="Create a new document." ma:contentTypeScope="" ma:versionID="e95561030a1194bdd1903eaf06697dcb">
   <xsd:schema xmlns:xsd="http://www.w3.org/2001/XMLSchema" xmlns:xs="http://www.w3.org/2001/XMLSchema" xmlns:p="http://schemas.microsoft.com/office/2006/metadata/properties" xmlns:ns2="f6f68f68-5570-446d-b1e6-2310e70d83d3" xmlns:ns3="2551ef7e-3b29-44d1-a8ad-ef34c26bfc60" targetNamespace="http://schemas.microsoft.com/office/2006/metadata/properties" ma:root="true" ma:fieldsID="a12ba8f3cc9838c64a8c8804efb93033" ns2:_="" ns3:_="">
     <xsd:import namespace="f6f68f68-5570-446d-b1e6-2310e70d83d3"/>
@@ -9146,15 +9155,6 @@
 </ct:contentTypeSchema>
 </file>
 
-<file path=customXml/item3.xml><?xml version="1.0" encoding="utf-8"?>
-<?mso-contentType ?>
-<FormTemplates xmlns="http://schemas.microsoft.com/sharepoint/v3/contenttype/forms">
-  <Display>DocumentLibraryForm</Display>
-  <Edit>DocumentLibraryForm</Edit>
-  <New>DocumentLibraryForm</New>
-</FormTemplates>
-</file>
-
 <file path=customXml/itemProps1.xml><?xml version="1.0" encoding="utf-8"?>
 <ds:datastoreItem xmlns:ds="http://schemas.openxmlformats.org/officeDocument/2006/customXml" ds:itemID="{C1D1D06F-7B50-4C4E-BDC2-45B577355489}">
   <ds:schemaRefs>
@@ -9173,6 +9173,14 @@
 </file>
 
 <file path=customXml/itemProps2.xml><?xml version="1.0" encoding="utf-8"?>
+<ds:datastoreItem xmlns:ds="http://schemas.openxmlformats.org/officeDocument/2006/customXml" ds:itemID="{3B108660-2CB9-4BF5-8E68-68C91CE7D9D8}">
+  <ds:schemaRefs>
+    <ds:schemaRef ds:uri="http://schemas.microsoft.com/sharepoint/v3/contenttype/forms"/>
+  </ds:schemaRefs>
+</ds:datastoreItem>
+</file>
+
+<file path=customXml/itemProps3.xml><?xml version="1.0" encoding="utf-8"?>
 <ds:datastoreItem xmlns:ds="http://schemas.openxmlformats.org/officeDocument/2006/customXml" ds:itemID="{17412572-CAAE-4A55-B1F7-111B37F547FD}">
   <ds:schemaRefs>
     <ds:schemaRef ds:uri="http://schemas.microsoft.com/office/2006/metadata/contentType"/>
@@ -9189,12 +9197,4 @@
     <ds:schemaRef ds:uri="http://schemas.microsoft.com/internal/obd"/>
   </ds:schemaRefs>
 </ds:datastoreItem>
-</file>
-
-<file path=customXml/itemProps3.xml><?xml version="1.0" encoding="utf-8"?>
-<ds:datastoreItem xmlns:ds="http://schemas.openxmlformats.org/officeDocument/2006/customXml" ds:itemID="{3B108660-2CB9-4BF5-8E68-68C91CE7D9D8}">
-  <ds:schemaRefs>
-    <ds:schemaRef ds:uri="http://schemas.microsoft.com/sharepoint/v3/contenttype/forms"/>
-  </ds:schemaRefs>
-</ds:datastoreItem>
 </file>